--- a/20181214-20181221-张雁君.pptx
+++ b/20181214-20181221-张雁君.pptx
@@ -199,7 +199,7 @@
           <a:p>
             <a:fld id="{3998DDF0-3991-47AC-9E3D-1C5DB339AD97}" type="datetimeFigureOut">
               <a:rPr lang="zh-CN" altLang="en-US" smtClean="0"/>
-              <a:t>2018/12/20</a:t>
+              <a:t>2018/12/21</a:t>
             </a:fld>
             <a:endParaRPr lang="zh-CN" altLang="en-US"/>
           </a:p>
@@ -2058,7 +2058,7 @@
           <a:p>
             <a:fld id="{660BAF6A-44D8-46A3-B811-9C18541513CF}" type="datetimeFigureOut">
               <a:rPr lang="zh-CN" altLang="en-US" smtClean="0"/>
-              <a:t>2018/12/20</a:t>
+              <a:t>2018/12/21</a:t>
             </a:fld>
             <a:endParaRPr lang="zh-CN" altLang="en-US"/>
           </a:p>
@@ -2256,7 +2256,7 @@
           <a:p>
             <a:fld id="{660BAF6A-44D8-46A3-B811-9C18541513CF}" type="datetimeFigureOut">
               <a:rPr lang="zh-CN" altLang="en-US" smtClean="0"/>
-              <a:t>2018/12/20</a:t>
+              <a:t>2018/12/21</a:t>
             </a:fld>
             <a:endParaRPr lang="zh-CN" altLang="en-US"/>
           </a:p>
@@ -2464,7 +2464,7 @@
           <a:p>
             <a:fld id="{660BAF6A-44D8-46A3-B811-9C18541513CF}" type="datetimeFigureOut">
               <a:rPr lang="zh-CN" altLang="en-US" smtClean="0"/>
-              <a:t>2018/12/20</a:t>
+              <a:t>2018/12/21</a:t>
             </a:fld>
             <a:endParaRPr lang="zh-CN" altLang="en-US"/>
           </a:p>
@@ -2662,7 +2662,7 @@
           <a:p>
             <a:fld id="{660BAF6A-44D8-46A3-B811-9C18541513CF}" type="datetimeFigureOut">
               <a:rPr lang="zh-CN" altLang="en-US" smtClean="0"/>
-              <a:t>2018/12/20</a:t>
+              <a:t>2018/12/21</a:t>
             </a:fld>
             <a:endParaRPr lang="zh-CN" altLang="en-US"/>
           </a:p>
@@ -2937,7 +2937,7 @@
           <a:p>
             <a:fld id="{660BAF6A-44D8-46A3-B811-9C18541513CF}" type="datetimeFigureOut">
               <a:rPr lang="zh-CN" altLang="en-US" smtClean="0"/>
-              <a:t>2018/12/20</a:t>
+              <a:t>2018/12/21</a:t>
             </a:fld>
             <a:endParaRPr lang="zh-CN" altLang="en-US"/>
           </a:p>
@@ -3202,7 +3202,7 @@
           <a:p>
             <a:fld id="{660BAF6A-44D8-46A3-B811-9C18541513CF}" type="datetimeFigureOut">
               <a:rPr lang="zh-CN" altLang="en-US" smtClean="0"/>
-              <a:t>2018/12/20</a:t>
+              <a:t>2018/12/21</a:t>
             </a:fld>
             <a:endParaRPr lang="zh-CN" altLang="en-US"/>
           </a:p>
@@ -3614,7 +3614,7 @@
           <a:p>
             <a:fld id="{660BAF6A-44D8-46A3-B811-9C18541513CF}" type="datetimeFigureOut">
               <a:rPr lang="zh-CN" altLang="en-US" smtClean="0"/>
-              <a:t>2018/12/20</a:t>
+              <a:t>2018/12/21</a:t>
             </a:fld>
             <a:endParaRPr lang="zh-CN" altLang="en-US"/>
           </a:p>
@@ -3755,7 +3755,7 @@
           <a:p>
             <a:fld id="{660BAF6A-44D8-46A3-B811-9C18541513CF}" type="datetimeFigureOut">
               <a:rPr lang="zh-CN" altLang="en-US" smtClean="0"/>
-              <a:t>2018/12/20</a:t>
+              <a:t>2018/12/21</a:t>
             </a:fld>
             <a:endParaRPr lang="zh-CN" altLang="en-US"/>
           </a:p>
@@ -3868,7 +3868,7 @@
           <a:p>
             <a:fld id="{660BAF6A-44D8-46A3-B811-9C18541513CF}" type="datetimeFigureOut">
               <a:rPr lang="zh-CN" altLang="en-US" smtClean="0"/>
-              <a:t>2018/12/20</a:t>
+              <a:t>2018/12/21</a:t>
             </a:fld>
             <a:endParaRPr lang="zh-CN" altLang="en-US"/>
           </a:p>
@@ -4179,7 +4179,7 @@
           <a:p>
             <a:fld id="{660BAF6A-44D8-46A3-B811-9C18541513CF}" type="datetimeFigureOut">
               <a:rPr lang="zh-CN" altLang="en-US" smtClean="0"/>
-              <a:t>2018/12/20</a:t>
+              <a:t>2018/12/21</a:t>
             </a:fld>
             <a:endParaRPr lang="zh-CN" altLang="en-US"/>
           </a:p>
@@ -4467,7 +4467,7 @@
           <a:p>
             <a:fld id="{660BAF6A-44D8-46A3-B811-9C18541513CF}" type="datetimeFigureOut">
               <a:rPr lang="zh-CN" altLang="en-US" smtClean="0"/>
-              <a:t>2018/12/20</a:t>
+              <a:t>2018/12/21</a:t>
             </a:fld>
             <a:endParaRPr lang="zh-CN" altLang="en-US"/>
           </a:p>
@@ -4708,7 +4708,7 @@
           <a:p>
             <a:fld id="{660BAF6A-44D8-46A3-B811-9C18541513CF}" type="datetimeFigureOut">
               <a:rPr lang="zh-CN" altLang="en-US" smtClean="0"/>
-              <a:t>2018/12/20</a:t>
+              <a:t>2018/12/21</a:t>
             </a:fld>
             <a:endParaRPr lang="zh-CN" altLang="en-US"/>
           </a:p>
@@ -5763,7 +5763,7 @@
           <a:p>
             <a:r>
               <a:rPr lang="zh-CN" altLang="en-US" dirty="0"/>
-              <a:t>运行结果</a:t>
+              <a:t>运行结果：</a:t>
             </a:r>
           </a:p>
         </p:txBody>

--- a/20181214-20181221-张雁君.pptx
+++ b/20181214-20181221-张雁君.pptx
@@ -5,12 +5,13 @@
     <p:sldMasterId id="2147483648" r:id="rId1"/>
   </p:sldMasterIdLst>
   <p:notesMasterIdLst>
-    <p:notesMasterId r:id="rId5"/>
+    <p:notesMasterId r:id="rId6"/>
   </p:notesMasterIdLst>
   <p:sldIdLst>
     <p:sldId id="256" r:id="rId2"/>
     <p:sldId id="257" r:id="rId3"/>
     <p:sldId id="258" r:id="rId4"/>
+    <p:sldId id="259" r:id="rId5"/>
   </p:sldIdLst>
   <p:sldSz cx="12192000" cy="6858000"/>
   <p:notesSz cx="6858000" cy="9144000"/>
@@ -199,7 +200,7 @@
           <a:p>
             <a:fld id="{3998DDF0-3991-47AC-9E3D-1C5DB339AD97}" type="datetimeFigureOut">
               <a:rPr lang="zh-CN" altLang="en-US" smtClean="0"/>
-              <a:t>2018/12/21</a:t>
+              <a:t>2018/12/22</a:t>
             </a:fld>
             <a:endParaRPr lang="zh-CN" altLang="en-US"/>
           </a:p>
@@ -1911,6 +1912,849 @@
 </p:notes>
 </file>
 
+<file path=ppt/notesSlides/notesSlide4.xml><?xml version="1.0" encoding="utf-8"?>
+<p:notes xmlns:a="http://schemas.openxmlformats.org/drawingml/2006/main" xmlns:r="http://schemas.openxmlformats.org/officeDocument/2006/relationships" xmlns:p="http://schemas.openxmlformats.org/presentationml/2006/main">
+  <p:cSld>
+    <p:spTree>
+      <p:nvGrpSpPr>
+        <p:cNvPr id="1" name=""/>
+        <p:cNvGrpSpPr/>
+        <p:nvPr/>
+      </p:nvGrpSpPr>
+      <p:grpSpPr>
+        <a:xfrm>
+          <a:off x="0" y="0"/>
+          <a:ext cx="0" cy="0"/>
+          <a:chOff x="0" y="0"/>
+          <a:chExt cx="0" cy="0"/>
+        </a:xfrm>
+      </p:grpSpPr>
+      <p:sp>
+        <p:nvSpPr>
+          <p:cNvPr id="2" name="幻灯片图像占位符 1"/>
+          <p:cNvSpPr>
+            <a:spLocks noGrp="1" noRot="1" noChangeAspect="1"/>
+          </p:cNvSpPr>
+          <p:nvPr>
+            <p:ph type="sldImg"/>
+          </p:nvPr>
+        </p:nvSpPr>
+        <p:spPr/>
+      </p:sp>
+      <p:sp>
+        <p:nvSpPr>
+          <p:cNvPr id="3" name="备注占位符 2"/>
+          <p:cNvSpPr>
+            <a:spLocks noGrp="1"/>
+          </p:cNvSpPr>
+          <p:nvPr>
+            <p:ph type="body" idx="1"/>
+          </p:nvPr>
+        </p:nvSpPr>
+        <p:spPr/>
+        <p:txBody>
+          <a:bodyPr/>
+          <a:lstStyle/>
+          <a:p>
+            <a:r>
+              <a:rPr lang="en-US" altLang="zh-CN" dirty="0"/>
+              <a:t>#include&lt;</a:t>
+            </a:r>
+            <a:r>
+              <a:rPr lang="en-US" altLang="zh-CN" dirty="0" err="1"/>
+              <a:t>stdio.h</a:t>
+            </a:r>
+            <a:r>
+              <a:rPr lang="en-US" altLang="zh-CN" dirty="0"/>
+              <a:t>&gt;</a:t>
+            </a:r>
+          </a:p>
+          <a:p>
+            <a:r>
+              <a:rPr lang="en-US" altLang="zh-CN" dirty="0"/>
+              <a:t>#include&lt;</a:t>
+            </a:r>
+            <a:r>
+              <a:rPr lang="en-US" altLang="zh-CN" dirty="0" err="1"/>
+              <a:t>stdlib.h</a:t>
+            </a:r>
+            <a:r>
+              <a:rPr lang="en-US" altLang="zh-CN" dirty="0"/>
+              <a:t>&gt;</a:t>
+            </a:r>
+          </a:p>
+          <a:p>
+            <a:r>
+              <a:rPr lang="en-US" altLang="zh-CN" dirty="0"/>
+              <a:t>typedef struct _node{</a:t>
+            </a:r>
+          </a:p>
+          <a:p>
+            <a:r>
+              <a:rPr lang="en-US" altLang="zh-CN" dirty="0"/>
+              <a:t>	int value;</a:t>
+            </a:r>
+          </a:p>
+          <a:p>
+            <a:r>
+              <a:rPr lang="en-US" altLang="zh-CN" dirty="0"/>
+              <a:t>	struct _node *next;</a:t>
+            </a:r>
+          </a:p>
+          <a:p>
+            <a:r>
+              <a:rPr lang="en-US" altLang="zh-CN" dirty="0"/>
+              <a:t>}Node;</a:t>
+            </a:r>
+          </a:p>
+          <a:p>
+            <a:r>
+              <a:rPr lang="en-US" altLang="zh-CN" dirty="0"/>
+              <a:t>typedef Node *LinkedList;</a:t>
+            </a:r>
+          </a:p>
+          <a:p>
+            <a:r>
+              <a:rPr lang="en-US" altLang="zh-CN" dirty="0"/>
+              <a:t>LinkedList </a:t>
+            </a:r>
+            <a:r>
+              <a:rPr lang="en-US" altLang="zh-CN" dirty="0" err="1"/>
+              <a:t>creatLinkedList</a:t>
+            </a:r>
+            <a:r>
+              <a:rPr lang="en-US" altLang="zh-CN" dirty="0"/>
+              <a:t>();</a:t>
+            </a:r>
+          </a:p>
+          <a:p>
+            <a:r>
+              <a:rPr lang="en-US" altLang="zh-CN" dirty="0"/>
+              <a:t>void print(LinkedList </a:t>
+            </a:r>
+            <a:r>
+              <a:rPr lang="en-US" altLang="zh-CN" dirty="0" err="1"/>
+              <a:t>plist</a:t>
+            </a:r>
+            <a:r>
+              <a:rPr lang="en-US" altLang="zh-CN" dirty="0"/>
+              <a:t>);</a:t>
+            </a:r>
+          </a:p>
+          <a:p>
+            <a:r>
+              <a:rPr lang="en-US" altLang="zh-CN" dirty="0"/>
+              <a:t>LinkedList </a:t>
+            </a:r>
+            <a:r>
+              <a:rPr lang="en-US" altLang="zh-CN" dirty="0" err="1"/>
+              <a:t>deleteNode</a:t>
+            </a:r>
+            <a:r>
+              <a:rPr lang="en-US" altLang="zh-CN" dirty="0"/>
+              <a:t>(LinkedList </a:t>
+            </a:r>
+            <a:r>
+              <a:rPr lang="en-US" altLang="zh-CN" dirty="0" err="1"/>
+              <a:t>plist,int</a:t>
+            </a:r>
+            <a:r>
+              <a:rPr lang="en-US" altLang="zh-CN" dirty="0"/>
+              <a:t> find);</a:t>
+            </a:r>
+          </a:p>
+          <a:p>
+            <a:endParaRPr lang="en-US" altLang="zh-CN" dirty="0"/>
+          </a:p>
+          <a:p>
+            <a:r>
+              <a:rPr lang="en-US" altLang="zh-CN" dirty="0"/>
+              <a:t>int main(void){</a:t>
+            </a:r>
+          </a:p>
+          <a:p>
+            <a:r>
+              <a:rPr lang="en-US" altLang="zh-CN" dirty="0"/>
+              <a:t>	LinkedList head = (LinkedList)malloc(</a:t>
+            </a:r>
+            <a:r>
+              <a:rPr lang="en-US" altLang="zh-CN" dirty="0" err="1"/>
+              <a:t>sizeof</a:t>
+            </a:r>
+            <a:r>
+              <a:rPr lang="en-US" altLang="zh-CN" dirty="0"/>
+              <a:t>(Node));</a:t>
+            </a:r>
+          </a:p>
+          <a:p>
+            <a:r>
+              <a:rPr lang="en-US" altLang="zh-CN" dirty="0"/>
+              <a:t>	int find;</a:t>
+            </a:r>
+          </a:p>
+          <a:p>
+            <a:r>
+              <a:rPr lang="en-US" altLang="zh-CN" dirty="0"/>
+              <a:t>	</a:t>
+            </a:r>
+            <a:r>
+              <a:rPr lang="en-US" altLang="zh-CN" dirty="0" err="1"/>
+              <a:t>printf</a:t>
+            </a:r>
+            <a:r>
+              <a:rPr lang="en-US" altLang="zh-CN" dirty="0"/>
+              <a:t>("</a:t>
+            </a:r>
+            <a:r>
+              <a:rPr lang="zh-CN" altLang="en-US" dirty="0"/>
+              <a:t>我想删除的结点的值为：</a:t>
+            </a:r>
+            <a:r>
+              <a:rPr lang="en-US" altLang="zh-CN" dirty="0"/>
+              <a:t>\n");</a:t>
+            </a:r>
+          </a:p>
+          <a:p>
+            <a:r>
+              <a:rPr lang="en-US" altLang="zh-CN" dirty="0"/>
+              <a:t>	</a:t>
+            </a:r>
+            <a:r>
+              <a:rPr lang="en-US" altLang="zh-CN" dirty="0" err="1"/>
+              <a:t>scanf</a:t>
+            </a:r>
+            <a:r>
+              <a:rPr lang="en-US" altLang="zh-CN" dirty="0"/>
+              <a:t>("%</a:t>
+            </a:r>
+            <a:r>
+              <a:rPr lang="en-US" altLang="zh-CN" dirty="0" err="1"/>
+              <a:t>d",&amp;find</a:t>
+            </a:r>
+            <a:r>
+              <a:rPr lang="en-US" altLang="zh-CN" dirty="0"/>
+              <a:t>);</a:t>
+            </a:r>
+          </a:p>
+          <a:p>
+            <a:r>
+              <a:rPr lang="en-US" altLang="zh-CN" dirty="0"/>
+              <a:t>	</a:t>
+            </a:r>
+            <a:r>
+              <a:rPr lang="en-US" altLang="zh-CN" dirty="0" err="1"/>
+              <a:t>printf</a:t>
+            </a:r>
+            <a:r>
+              <a:rPr lang="en-US" altLang="zh-CN" dirty="0"/>
+              <a:t>("</a:t>
+            </a:r>
+            <a:r>
+              <a:rPr lang="zh-CN" altLang="en-US" dirty="0"/>
+              <a:t>初始化链表：</a:t>
+            </a:r>
+            <a:r>
+              <a:rPr lang="en-US" altLang="zh-CN" dirty="0"/>
+              <a:t>\n");</a:t>
+            </a:r>
+          </a:p>
+          <a:p>
+            <a:r>
+              <a:rPr lang="en-US" altLang="zh-CN" dirty="0"/>
+              <a:t>	head = </a:t>
+            </a:r>
+            <a:r>
+              <a:rPr lang="en-US" altLang="zh-CN" dirty="0" err="1"/>
+              <a:t>creatLinkedList</a:t>
+            </a:r>
+            <a:r>
+              <a:rPr lang="en-US" altLang="zh-CN" dirty="0"/>
+              <a:t>();</a:t>
+            </a:r>
+          </a:p>
+          <a:p>
+            <a:r>
+              <a:rPr lang="en-US" altLang="zh-CN" dirty="0"/>
+              <a:t>	head = </a:t>
+            </a:r>
+            <a:r>
+              <a:rPr lang="en-US" altLang="zh-CN" dirty="0" err="1"/>
+              <a:t>deleteNode</a:t>
+            </a:r>
+            <a:r>
+              <a:rPr lang="en-US" altLang="zh-CN" dirty="0"/>
+              <a:t>(</a:t>
+            </a:r>
+            <a:r>
+              <a:rPr lang="en-US" altLang="zh-CN" dirty="0" err="1"/>
+              <a:t>head,find</a:t>
+            </a:r>
+            <a:r>
+              <a:rPr lang="en-US" altLang="zh-CN" dirty="0"/>
+              <a:t>);</a:t>
+            </a:r>
+          </a:p>
+          <a:p>
+            <a:r>
+              <a:rPr lang="en-US" altLang="zh-CN" dirty="0"/>
+              <a:t>	</a:t>
+            </a:r>
+            <a:r>
+              <a:rPr lang="en-US" altLang="zh-CN" dirty="0" err="1"/>
+              <a:t>printf</a:t>
+            </a:r>
+            <a:r>
+              <a:rPr lang="en-US" altLang="zh-CN" dirty="0"/>
+              <a:t>("</a:t>
+            </a:r>
+            <a:r>
+              <a:rPr lang="zh-CN" altLang="en-US" dirty="0"/>
+              <a:t>删除目标节点后：</a:t>
+            </a:r>
+            <a:r>
+              <a:rPr lang="en-US" altLang="zh-CN" dirty="0"/>
+              <a:t>\n");</a:t>
+            </a:r>
+          </a:p>
+          <a:p>
+            <a:r>
+              <a:rPr lang="en-US" altLang="zh-CN" dirty="0"/>
+              <a:t>	print(head);</a:t>
+            </a:r>
+          </a:p>
+          <a:p>
+            <a:r>
+              <a:rPr lang="en-US" altLang="zh-CN" dirty="0"/>
+              <a:t>}</a:t>
+            </a:r>
+          </a:p>
+          <a:p>
+            <a:r>
+              <a:rPr lang="en-US" altLang="zh-CN" dirty="0"/>
+              <a:t>LinkedList </a:t>
+            </a:r>
+            <a:r>
+              <a:rPr lang="en-US" altLang="zh-CN" dirty="0" err="1"/>
+              <a:t>creatLinkedList</a:t>
+            </a:r>
+            <a:r>
+              <a:rPr lang="en-US" altLang="zh-CN" dirty="0"/>
+              <a:t>(){</a:t>
+            </a:r>
+          </a:p>
+          <a:p>
+            <a:r>
+              <a:rPr lang="en-US" altLang="zh-CN" dirty="0"/>
+              <a:t>	LinkedList </a:t>
+            </a:r>
+            <a:r>
+              <a:rPr lang="en-US" altLang="zh-CN" dirty="0" err="1"/>
+              <a:t>p,head</a:t>
+            </a:r>
+            <a:r>
+              <a:rPr lang="en-US" altLang="zh-CN" dirty="0"/>
+              <a:t> = </a:t>
+            </a:r>
+            <a:r>
+              <a:rPr lang="en-US" altLang="zh-CN" dirty="0" err="1"/>
+              <a:t>NULL,end</a:t>
+            </a:r>
+            <a:r>
+              <a:rPr lang="en-US" altLang="zh-CN" dirty="0"/>
+              <a:t>;</a:t>
+            </a:r>
+          </a:p>
+          <a:p>
+            <a:r>
+              <a:rPr lang="en-US" altLang="zh-CN" dirty="0"/>
+              <a:t>	int number;</a:t>
+            </a:r>
+          </a:p>
+          <a:p>
+            <a:r>
+              <a:rPr lang="en-US" altLang="zh-CN" dirty="0"/>
+              <a:t>	</a:t>
+            </a:r>
+            <a:r>
+              <a:rPr lang="en-US" altLang="zh-CN" dirty="0" err="1"/>
+              <a:t>scanf</a:t>
+            </a:r>
+            <a:r>
+              <a:rPr lang="en-US" altLang="zh-CN" dirty="0"/>
+              <a:t>("%</a:t>
+            </a:r>
+            <a:r>
+              <a:rPr lang="en-US" altLang="zh-CN" dirty="0" err="1"/>
+              <a:t>d",&amp;number</a:t>
+            </a:r>
+            <a:r>
+              <a:rPr lang="en-US" altLang="zh-CN" dirty="0"/>
+              <a:t>);</a:t>
+            </a:r>
+          </a:p>
+          <a:p>
+            <a:r>
+              <a:rPr lang="en-US" altLang="zh-CN" dirty="0"/>
+              <a:t>	end  = head;</a:t>
+            </a:r>
+          </a:p>
+          <a:p>
+            <a:r>
+              <a:rPr lang="en-US" altLang="zh-CN" dirty="0"/>
+              <a:t>	while(number != -1){</a:t>
+            </a:r>
+          </a:p>
+          <a:p>
+            <a:r>
+              <a:rPr lang="en-US" altLang="zh-CN" dirty="0"/>
+              <a:t>		p = (LinkedList)malloc(</a:t>
+            </a:r>
+            <a:r>
+              <a:rPr lang="en-US" altLang="zh-CN" dirty="0" err="1"/>
+              <a:t>sizeof</a:t>
+            </a:r>
+            <a:r>
+              <a:rPr lang="en-US" altLang="zh-CN" dirty="0"/>
+              <a:t>(Node));</a:t>
+            </a:r>
+          </a:p>
+          <a:p>
+            <a:r>
+              <a:rPr lang="en-US" altLang="zh-CN" dirty="0"/>
+              <a:t>		p-&gt;value = number;</a:t>
+            </a:r>
+          </a:p>
+          <a:p>
+            <a:r>
+              <a:rPr lang="en-US" altLang="zh-CN" dirty="0"/>
+              <a:t>		p-&gt;next = NULL;</a:t>
+            </a:r>
+          </a:p>
+          <a:p>
+            <a:r>
+              <a:rPr lang="en-US" altLang="zh-CN" dirty="0"/>
+              <a:t>		if(!head){</a:t>
+            </a:r>
+          </a:p>
+          <a:p>
+            <a:r>
+              <a:rPr lang="en-US" altLang="zh-CN" dirty="0"/>
+              <a:t>			head = p;</a:t>
+            </a:r>
+          </a:p>
+          <a:p>
+            <a:r>
+              <a:rPr lang="en-US" altLang="zh-CN" dirty="0"/>
+              <a:t>		}else{</a:t>
+            </a:r>
+          </a:p>
+          <a:p>
+            <a:r>
+              <a:rPr lang="en-US" altLang="zh-CN" dirty="0"/>
+              <a:t>			end-&gt;next = p;</a:t>
+            </a:r>
+          </a:p>
+          <a:p>
+            <a:r>
+              <a:rPr lang="en-US" altLang="zh-CN" dirty="0"/>
+              <a:t>		}</a:t>
+            </a:r>
+          </a:p>
+          <a:p>
+            <a:r>
+              <a:rPr lang="en-US" altLang="zh-CN" dirty="0"/>
+              <a:t>		end = p;</a:t>
+            </a:r>
+          </a:p>
+          <a:p>
+            <a:r>
+              <a:rPr lang="en-US" altLang="zh-CN" dirty="0"/>
+              <a:t>		</a:t>
+            </a:r>
+            <a:r>
+              <a:rPr lang="en-US" altLang="zh-CN" dirty="0" err="1"/>
+              <a:t>scanf</a:t>
+            </a:r>
+            <a:r>
+              <a:rPr lang="en-US" altLang="zh-CN" dirty="0"/>
+              <a:t>("%</a:t>
+            </a:r>
+            <a:r>
+              <a:rPr lang="en-US" altLang="zh-CN" dirty="0" err="1"/>
+              <a:t>d",&amp;number</a:t>
+            </a:r>
+            <a:r>
+              <a:rPr lang="en-US" altLang="zh-CN" dirty="0"/>
+              <a:t>);</a:t>
+            </a:r>
+          </a:p>
+          <a:p>
+            <a:r>
+              <a:rPr lang="en-US" altLang="zh-CN" dirty="0"/>
+              <a:t>	}</a:t>
+            </a:r>
+          </a:p>
+          <a:p>
+            <a:r>
+              <a:rPr lang="en-US" altLang="zh-CN" dirty="0"/>
+              <a:t>	return head;</a:t>
+            </a:r>
+          </a:p>
+          <a:p>
+            <a:r>
+              <a:rPr lang="en-US" altLang="zh-CN" dirty="0"/>
+              <a:t>}</a:t>
+            </a:r>
+          </a:p>
+          <a:p>
+            <a:r>
+              <a:rPr lang="en-US" altLang="zh-CN" dirty="0"/>
+              <a:t>void print(LinkedList </a:t>
+            </a:r>
+            <a:r>
+              <a:rPr lang="en-US" altLang="zh-CN" dirty="0" err="1"/>
+              <a:t>plist</a:t>
+            </a:r>
+            <a:r>
+              <a:rPr lang="en-US" altLang="zh-CN" dirty="0"/>
+              <a:t>){</a:t>
+            </a:r>
+          </a:p>
+          <a:p>
+            <a:r>
+              <a:rPr lang="en-US" altLang="zh-CN" dirty="0"/>
+              <a:t>	LinkedList cursor = (LinkedList)malloc(</a:t>
+            </a:r>
+            <a:r>
+              <a:rPr lang="en-US" altLang="zh-CN" dirty="0" err="1"/>
+              <a:t>sizeof</a:t>
+            </a:r>
+            <a:r>
+              <a:rPr lang="en-US" altLang="zh-CN" dirty="0"/>
+              <a:t>(Node));</a:t>
+            </a:r>
+          </a:p>
+          <a:p>
+            <a:r>
+              <a:rPr lang="en-US" altLang="zh-CN" dirty="0"/>
+              <a:t>	for(cursor = </a:t>
+            </a:r>
+            <a:r>
+              <a:rPr lang="en-US" altLang="zh-CN" dirty="0" err="1"/>
+              <a:t>plist;cursor;cursor</a:t>
+            </a:r>
+            <a:r>
+              <a:rPr lang="en-US" altLang="zh-CN" dirty="0"/>
+              <a:t> = cursor-&gt;next){</a:t>
+            </a:r>
+          </a:p>
+          <a:p>
+            <a:r>
+              <a:rPr lang="en-US" altLang="zh-CN" dirty="0"/>
+              <a:t>		</a:t>
+            </a:r>
+            <a:r>
+              <a:rPr lang="en-US" altLang="zh-CN" dirty="0" err="1"/>
+              <a:t>printf</a:t>
+            </a:r>
+            <a:r>
+              <a:rPr lang="en-US" altLang="zh-CN" dirty="0"/>
+              <a:t>("%d ",cursor-&gt;value);</a:t>
+            </a:r>
+          </a:p>
+          <a:p>
+            <a:r>
+              <a:rPr lang="en-US" altLang="zh-CN" dirty="0"/>
+              <a:t>	}</a:t>
+            </a:r>
+          </a:p>
+          <a:p>
+            <a:r>
+              <a:rPr lang="en-US" altLang="zh-CN" dirty="0"/>
+              <a:t>}</a:t>
+            </a:r>
+          </a:p>
+          <a:p>
+            <a:r>
+              <a:rPr lang="en-US" altLang="zh-CN" dirty="0"/>
+              <a:t>LinkedList </a:t>
+            </a:r>
+            <a:r>
+              <a:rPr lang="en-US" altLang="zh-CN" dirty="0" err="1"/>
+              <a:t>deleteNode</a:t>
+            </a:r>
+            <a:r>
+              <a:rPr lang="en-US" altLang="zh-CN" dirty="0"/>
+              <a:t>(LinkedList </a:t>
+            </a:r>
+            <a:r>
+              <a:rPr lang="en-US" altLang="zh-CN" dirty="0" err="1"/>
+              <a:t>plist,int</a:t>
+            </a:r>
+            <a:r>
+              <a:rPr lang="en-US" altLang="zh-CN" dirty="0"/>
+              <a:t> find){</a:t>
+            </a:r>
+          </a:p>
+          <a:p>
+            <a:r>
+              <a:rPr lang="en-US" altLang="zh-CN" dirty="0"/>
+              <a:t>	LinkedList precursor = (LinkedList)malloc(</a:t>
+            </a:r>
+            <a:r>
+              <a:rPr lang="en-US" altLang="zh-CN" dirty="0" err="1"/>
+              <a:t>sizeof</a:t>
+            </a:r>
+            <a:r>
+              <a:rPr lang="en-US" altLang="zh-CN" dirty="0"/>
+              <a:t>(Node)),</a:t>
+            </a:r>
+            <a:r>
+              <a:rPr lang="en-US" altLang="zh-CN" dirty="0" err="1"/>
+              <a:t>endcursor</a:t>
+            </a:r>
+            <a:r>
+              <a:rPr lang="en-US" altLang="zh-CN" dirty="0"/>
+              <a:t> = (LinkedList)malloc(</a:t>
+            </a:r>
+            <a:r>
+              <a:rPr lang="en-US" altLang="zh-CN" dirty="0" err="1"/>
+              <a:t>sizeof</a:t>
+            </a:r>
+            <a:r>
+              <a:rPr lang="en-US" altLang="zh-CN" dirty="0"/>
+              <a:t>(Node));</a:t>
+            </a:r>
+          </a:p>
+          <a:p>
+            <a:r>
+              <a:rPr lang="en-US" altLang="zh-CN" dirty="0"/>
+              <a:t>	for(precursor = </a:t>
+            </a:r>
+            <a:r>
+              <a:rPr lang="en-US" altLang="zh-CN" dirty="0" err="1"/>
+              <a:t>NULL,endcursor</a:t>
+            </a:r>
+            <a:r>
+              <a:rPr lang="en-US" altLang="zh-CN" dirty="0"/>
+              <a:t> = </a:t>
+            </a:r>
+            <a:r>
+              <a:rPr lang="en-US" altLang="zh-CN" dirty="0" err="1"/>
+              <a:t>plist;endcursor;precursor</a:t>
+            </a:r>
+            <a:r>
+              <a:rPr lang="en-US" altLang="zh-CN" dirty="0"/>
+              <a:t> = </a:t>
+            </a:r>
+            <a:r>
+              <a:rPr lang="en-US" altLang="zh-CN" dirty="0" err="1"/>
+              <a:t>endcursor,endcursor</a:t>
+            </a:r>
+            <a:r>
+              <a:rPr lang="en-US" altLang="zh-CN" dirty="0"/>
+              <a:t> = </a:t>
+            </a:r>
+            <a:r>
+              <a:rPr lang="en-US" altLang="zh-CN" dirty="0" err="1"/>
+              <a:t>endcursor</a:t>
+            </a:r>
+            <a:r>
+              <a:rPr lang="en-US" altLang="zh-CN" dirty="0"/>
+              <a:t>-&gt;next){</a:t>
+            </a:r>
+          </a:p>
+          <a:p>
+            <a:r>
+              <a:rPr lang="en-US" altLang="zh-CN" dirty="0"/>
+              <a:t>		if(</a:t>
+            </a:r>
+            <a:r>
+              <a:rPr lang="en-US" altLang="zh-CN" dirty="0" err="1"/>
+              <a:t>endcursor</a:t>
+            </a:r>
+            <a:r>
+              <a:rPr lang="en-US" altLang="zh-CN" dirty="0"/>
+              <a:t>-&gt;value == find){</a:t>
+            </a:r>
+          </a:p>
+          <a:p>
+            <a:r>
+              <a:rPr lang="en-US" altLang="zh-CN" dirty="0"/>
+              <a:t>			if(precursor){                    //</a:t>
+            </a:r>
+            <a:r>
+              <a:rPr lang="zh-CN" altLang="en-US" dirty="0"/>
+              <a:t>当被删除的结点为头结点时则必须判断前面的指针是否为空指针</a:t>
+            </a:r>
+          </a:p>
+          <a:p>
+            <a:r>
+              <a:rPr lang="zh-CN" altLang="en-US" dirty="0"/>
+              <a:t>				</a:t>
+            </a:r>
+            <a:r>
+              <a:rPr lang="en-US" altLang="zh-CN" dirty="0"/>
+              <a:t>precursor-&gt;next = </a:t>
+            </a:r>
+            <a:r>
+              <a:rPr lang="en-US" altLang="zh-CN" dirty="0" err="1"/>
+              <a:t>endcursor</a:t>
+            </a:r>
+            <a:r>
+              <a:rPr lang="en-US" altLang="zh-CN" dirty="0"/>
+              <a:t>-&gt;next;  //</a:t>
+            </a:r>
+            <a:r>
+              <a:rPr lang="zh-CN" altLang="en-US" dirty="0"/>
+              <a:t>把用于存放被删除元素的指针指向被删除元素的指针指向的结点 </a:t>
+            </a:r>
+          </a:p>
+          <a:p>
+            <a:r>
+              <a:rPr lang="zh-CN" altLang="en-US" dirty="0"/>
+              <a:t>			</a:t>
+            </a:r>
+            <a:r>
+              <a:rPr lang="en-US" altLang="zh-CN" dirty="0"/>
+              <a:t>}else{</a:t>
+            </a:r>
+          </a:p>
+          <a:p>
+            <a:r>
+              <a:rPr lang="en-US" altLang="zh-CN" dirty="0"/>
+              <a:t>				</a:t>
+            </a:r>
+            <a:r>
+              <a:rPr lang="en-US" altLang="zh-CN" dirty="0" err="1"/>
+              <a:t>plist</a:t>
+            </a:r>
+            <a:r>
+              <a:rPr lang="en-US" altLang="zh-CN" dirty="0"/>
+              <a:t> = </a:t>
+            </a:r>
+            <a:r>
+              <a:rPr lang="en-US" altLang="zh-CN" dirty="0" err="1"/>
+              <a:t>endcursor</a:t>
+            </a:r>
+            <a:r>
+              <a:rPr lang="en-US" altLang="zh-CN" dirty="0"/>
+              <a:t>-&gt;next;   //</a:t>
+            </a:r>
+            <a:r>
+              <a:rPr lang="zh-CN" altLang="en-US" dirty="0"/>
+              <a:t>若前面的指针为空指针，则让把第二个元素作为整张链表的头结点，</a:t>
+            </a:r>
+          </a:p>
+          <a:p>
+            <a:r>
+              <a:rPr lang="zh-CN" altLang="en-US" dirty="0"/>
+              <a:t>			</a:t>
+            </a:r>
+            <a:r>
+              <a:rPr lang="en-US" altLang="zh-CN" dirty="0"/>
+              <a:t>}</a:t>
+            </a:r>
+          </a:p>
+          <a:p>
+            <a:r>
+              <a:rPr lang="en-US" altLang="zh-CN" dirty="0"/>
+              <a:t>			free(</a:t>
+            </a:r>
+            <a:r>
+              <a:rPr lang="en-US" altLang="zh-CN" dirty="0" err="1"/>
+              <a:t>endcursor</a:t>
+            </a:r>
+            <a:r>
+              <a:rPr lang="en-US" altLang="zh-CN" dirty="0"/>
+              <a:t>);               //</a:t>
+            </a:r>
+            <a:r>
+              <a:rPr lang="zh-CN" altLang="en-US" dirty="0"/>
+              <a:t>删除结点 </a:t>
+            </a:r>
+          </a:p>
+          <a:p>
+            <a:r>
+              <a:rPr lang="zh-CN" altLang="en-US" dirty="0"/>
+              <a:t>			</a:t>
+            </a:r>
+            <a:r>
+              <a:rPr lang="en-US" altLang="zh-CN" dirty="0"/>
+              <a:t>break;</a:t>
+            </a:r>
+          </a:p>
+          <a:p>
+            <a:r>
+              <a:rPr lang="en-US" altLang="zh-CN" dirty="0"/>
+              <a:t>		}</a:t>
+            </a:r>
+          </a:p>
+          <a:p>
+            <a:r>
+              <a:rPr lang="en-US" altLang="zh-CN" dirty="0"/>
+              <a:t>	}</a:t>
+            </a:r>
+          </a:p>
+          <a:p>
+            <a:r>
+              <a:rPr lang="en-US" altLang="zh-CN" dirty="0"/>
+              <a:t>	return </a:t>
+            </a:r>
+            <a:r>
+              <a:rPr lang="en-US" altLang="zh-CN" dirty="0" err="1"/>
+              <a:t>plist</a:t>
+            </a:r>
+            <a:r>
+              <a:rPr lang="en-US" altLang="zh-CN" dirty="0"/>
+              <a:t>;</a:t>
+            </a:r>
+          </a:p>
+          <a:p>
+            <a:r>
+              <a:rPr lang="en-US" altLang="zh-CN"/>
+              <a:t>}</a:t>
+            </a:r>
+            <a:endParaRPr lang="zh-CN" altLang="en-US"/>
+          </a:p>
+        </p:txBody>
+      </p:sp>
+      <p:sp>
+        <p:nvSpPr>
+          <p:cNvPr id="4" name="灯片编号占位符 3"/>
+          <p:cNvSpPr>
+            <a:spLocks noGrp="1"/>
+          </p:cNvSpPr>
+          <p:nvPr>
+            <p:ph type="sldNum" sz="quarter" idx="5"/>
+          </p:nvPr>
+        </p:nvSpPr>
+        <p:spPr/>
+        <p:txBody>
+          <a:bodyPr/>
+          <a:lstStyle/>
+          <a:p>
+            <a:fld id="{41AA1EF8-4A1C-4A93-AB14-53893776C3B1}" type="slidenum">
+              <a:rPr lang="zh-CN" altLang="en-US" smtClean="0"/>
+              <a:t>4</a:t>
+            </a:fld>
+            <a:endParaRPr lang="zh-CN" altLang="en-US"/>
+          </a:p>
+        </p:txBody>
+      </p:sp>
+    </p:spTree>
+    <p:extLst>
+      <p:ext uri="{BB962C8B-B14F-4D97-AF65-F5344CB8AC3E}">
+        <p14:creationId xmlns:p14="http://schemas.microsoft.com/office/powerpoint/2010/main" val="541098236"/>
+      </p:ext>
+    </p:extLst>
+  </p:cSld>
+  <p:clrMapOvr>
+    <a:masterClrMapping/>
+  </p:clrMapOvr>
+</p:notes>
+</file>
+
 <file path=ppt/slideLayouts/slideLayout1.xml><?xml version="1.0" encoding="utf-8"?>
 <p:sldLayout xmlns:a="http://schemas.openxmlformats.org/drawingml/2006/main" xmlns:r="http://schemas.openxmlformats.org/officeDocument/2006/relationships" xmlns:p="http://schemas.openxmlformats.org/presentationml/2006/main" type="title" preserve="1">
   <p:cSld name="标题幻灯片">
@@ -2058,7 +2902,7 @@
           <a:p>
             <a:fld id="{660BAF6A-44D8-46A3-B811-9C18541513CF}" type="datetimeFigureOut">
               <a:rPr lang="zh-CN" altLang="en-US" smtClean="0"/>
-              <a:t>2018/12/21</a:t>
+              <a:t>2018/12/22</a:t>
             </a:fld>
             <a:endParaRPr lang="zh-CN" altLang="en-US"/>
           </a:p>
@@ -2256,7 +3100,7 @@
           <a:p>
             <a:fld id="{660BAF6A-44D8-46A3-B811-9C18541513CF}" type="datetimeFigureOut">
               <a:rPr lang="zh-CN" altLang="en-US" smtClean="0"/>
-              <a:t>2018/12/21</a:t>
+              <a:t>2018/12/22</a:t>
             </a:fld>
             <a:endParaRPr lang="zh-CN" altLang="en-US"/>
           </a:p>
@@ -2464,7 +3308,7 @@
           <a:p>
             <a:fld id="{660BAF6A-44D8-46A3-B811-9C18541513CF}" type="datetimeFigureOut">
               <a:rPr lang="zh-CN" altLang="en-US" smtClean="0"/>
-              <a:t>2018/12/21</a:t>
+              <a:t>2018/12/22</a:t>
             </a:fld>
             <a:endParaRPr lang="zh-CN" altLang="en-US"/>
           </a:p>
@@ -2662,7 +3506,7 @@
           <a:p>
             <a:fld id="{660BAF6A-44D8-46A3-B811-9C18541513CF}" type="datetimeFigureOut">
               <a:rPr lang="zh-CN" altLang="en-US" smtClean="0"/>
-              <a:t>2018/12/21</a:t>
+              <a:t>2018/12/22</a:t>
             </a:fld>
             <a:endParaRPr lang="zh-CN" altLang="en-US"/>
           </a:p>
@@ -2937,7 +3781,7 @@
           <a:p>
             <a:fld id="{660BAF6A-44D8-46A3-B811-9C18541513CF}" type="datetimeFigureOut">
               <a:rPr lang="zh-CN" altLang="en-US" smtClean="0"/>
-              <a:t>2018/12/21</a:t>
+              <a:t>2018/12/22</a:t>
             </a:fld>
             <a:endParaRPr lang="zh-CN" altLang="en-US"/>
           </a:p>
@@ -3202,7 +4046,7 @@
           <a:p>
             <a:fld id="{660BAF6A-44D8-46A3-B811-9C18541513CF}" type="datetimeFigureOut">
               <a:rPr lang="zh-CN" altLang="en-US" smtClean="0"/>
-              <a:t>2018/12/21</a:t>
+              <a:t>2018/12/22</a:t>
             </a:fld>
             <a:endParaRPr lang="zh-CN" altLang="en-US"/>
           </a:p>
@@ -3614,7 +4458,7 @@
           <a:p>
             <a:fld id="{660BAF6A-44D8-46A3-B811-9C18541513CF}" type="datetimeFigureOut">
               <a:rPr lang="zh-CN" altLang="en-US" smtClean="0"/>
-              <a:t>2018/12/21</a:t>
+              <a:t>2018/12/22</a:t>
             </a:fld>
             <a:endParaRPr lang="zh-CN" altLang="en-US"/>
           </a:p>
@@ -3755,7 +4599,7 @@
           <a:p>
             <a:fld id="{660BAF6A-44D8-46A3-B811-9C18541513CF}" type="datetimeFigureOut">
               <a:rPr lang="zh-CN" altLang="en-US" smtClean="0"/>
-              <a:t>2018/12/21</a:t>
+              <a:t>2018/12/22</a:t>
             </a:fld>
             <a:endParaRPr lang="zh-CN" altLang="en-US"/>
           </a:p>
@@ -3868,7 +4712,7 @@
           <a:p>
             <a:fld id="{660BAF6A-44D8-46A3-B811-9C18541513CF}" type="datetimeFigureOut">
               <a:rPr lang="zh-CN" altLang="en-US" smtClean="0"/>
-              <a:t>2018/12/21</a:t>
+              <a:t>2018/12/22</a:t>
             </a:fld>
             <a:endParaRPr lang="zh-CN" altLang="en-US"/>
           </a:p>
@@ -4179,7 +5023,7 @@
           <a:p>
             <a:fld id="{660BAF6A-44D8-46A3-B811-9C18541513CF}" type="datetimeFigureOut">
               <a:rPr lang="zh-CN" altLang="en-US" smtClean="0"/>
-              <a:t>2018/12/21</a:t>
+              <a:t>2018/12/22</a:t>
             </a:fld>
             <a:endParaRPr lang="zh-CN" altLang="en-US"/>
           </a:p>
@@ -4467,7 +5311,7 @@
           <a:p>
             <a:fld id="{660BAF6A-44D8-46A3-B811-9C18541513CF}" type="datetimeFigureOut">
               <a:rPr lang="zh-CN" altLang="en-US" smtClean="0"/>
-              <a:t>2018/12/21</a:t>
+              <a:t>2018/12/22</a:t>
             </a:fld>
             <a:endParaRPr lang="zh-CN" altLang="en-US"/>
           </a:p>
@@ -4708,7 +5552,7 @@
           <a:p>
             <a:fld id="{660BAF6A-44D8-46A3-B811-9C18541513CF}" type="datetimeFigureOut">
               <a:rPr lang="zh-CN" altLang="en-US" smtClean="0"/>
-              <a:t>2018/12/21</a:t>
+              <a:t>2018/12/22</a:t>
             </a:fld>
             <a:endParaRPr lang="zh-CN" altLang="en-US"/>
           </a:p>
@@ -5772,6 +6616,161 @@
     <p:extLst>
       <p:ext uri="{BB962C8B-B14F-4D97-AF65-F5344CB8AC3E}">
         <p14:creationId xmlns:p14="http://schemas.microsoft.com/office/powerpoint/2010/main" val="1803175146"/>
+      </p:ext>
+    </p:extLst>
+  </p:cSld>
+  <p:clrMapOvr>
+    <a:masterClrMapping/>
+  </p:clrMapOvr>
+</p:sld>
+</file>
+
+<file path=ppt/slides/slide4.xml><?xml version="1.0" encoding="utf-8"?>
+<p:sld xmlns:a="http://schemas.openxmlformats.org/drawingml/2006/main" xmlns:r="http://schemas.openxmlformats.org/officeDocument/2006/relationships" xmlns:p="http://schemas.openxmlformats.org/presentationml/2006/main">
+  <p:cSld>
+    <p:spTree>
+      <p:nvGrpSpPr>
+        <p:cNvPr id="1" name=""/>
+        <p:cNvGrpSpPr/>
+        <p:nvPr/>
+      </p:nvGrpSpPr>
+      <p:grpSpPr>
+        <a:xfrm>
+          <a:off x="0" y="0"/>
+          <a:ext cx="0" cy="0"/>
+          <a:chOff x="0" y="0"/>
+          <a:chExt cx="0" cy="0"/>
+        </a:xfrm>
+      </p:grpSpPr>
+      <p:sp>
+        <p:nvSpPr>
+          <p:cNvPr id="2" name="标题 1">
+            <a:extLst>
+              <a:ext uri="{FF2B5EF4-FFF2-40B4-BE49-F238E27FC236}">
+                <a16:creationId xmlns:a16="http://schemas.microsoft.com/office/drawing/2014/main" id="{094397E4-46AF-4EA1-92F5-E783AD6D5F0C}"/>
+              </a:ext>
+            </a:extLst>
+          </p:cNvPr>
+          <p:cNvSpPr>
+            <a:spLocks noGrp="1"/>
+          </p:cNvSpPr>
+          <p:nvPr>
+            <p:ph type="title"/>
+          </p:nvPr>
+        </p:nvSpPr>
+        <p:spPr>
+          <a:xfrm>
+            <a:off x="218090" y="112877"/>
+            <a:ext cx="10515600" cy="318048"/>
+          </a:xfrm>
+        </p:spPr>
+        <p:txBody>
+          <a:bodyPr>
+            <a:normAutofit fontScale="90000"/>
+          </a:bodyPr>
+          <a:lstStyle/>
+          <a:p>
+            <a:r>
+              <a:rPr lang="zh-CN" altLang="en-US" sz="2400" dirty="0"/>
+              <a:t>删除链表结点</a:t>
+            </a:r>
+          </a:p>
+        </p:txBody>
+      </p:sp>
+      <p:pic>
+        <p:nvPicPr>
+          <p:cNvPr id="5" name="图片 4">
+            <a:extLst>
+              <a:ext uri="{FF2B5EF4-FFF2-40B4-BE49-F238E27FC236}">
+                <a16:creationId xmlns:a16="http://schemas.microsoft.com/office/drawing/2014/main" id="{F8BB7BFB-39F9-4F5B-A7CA-499AF8B8A2B5}"/>
+              </a:ext>
+            </a:extLst>
+          </p:cNvPr>
+          <p:cNvPicPr>
+            <a:picLocks noChangeAspect="1"/>
+          </p:cNvPicPr>
+          <p:nvPr/>
+        </p:nvPicPr>
+        <p:blipFill>
+          <a:blip r:embed="rId3"/>
+          <a:stretch>
+            <a:fillRect/>
+          </a:stretch>
+        </p:blipFill>
+        <p:spPr>
+          <a:xfrm>
+            <a:off x="0" y="539313"/>
+            <a:ext cx="9744281" cy="2637046"/>
+          </a:xfrm>
+          <a:prstGeom prst="rect">
+            <a:avLst/>
+          </a:prstGeom>
+        </p:spPr>
+      </p:pic>
+      <p:pic>
+        <p:nvPicPr>
+          <p:cNvPr id="6" name="图片 5">
+            <a:extLst>
+              <a:ext uri="{FF2B5EF4-FFF2-40B4-BE49-F238E27FC236}">
+                <a16:creationId xmlns:a16="http://schemas.microsoft.com/office/drawing/2014/main" id="{3BE14ECB-5681-423E-996F-AF2AA239A79C}"/>
+              </a:ext>
+            </a:extLst>
+          </p:cNvPr>
+          <p:cNvPicPr>
+            <a:picLocks noChangeAspect="1"/>
+          </p:cNvPicPr>
+          <p:nvPr/>
+        </p:nvPicPr>
+        <p:blipFill>
+          <a:blip r:embed="rId4"/>
+          <a:stretch>
+            <a:fillRect/>
+          </a:stretch>
+        </p:blipFill>
+        <p:spPr>
+          <a:xfrm>
+            <a:off x="7553325" y="3280213"/>
+            <a:ext cx="4638675" cy="2219325"/>
+          </a:xfrm>
+          <a:prstGeom prst="rect">
+            <a:avLst/>
+          </a:prstGeom>
+        </p:spPr>
+      </p:pic>
+      <p:pic>
+        <p:nvPicPr>
+          <p:cNvPr id="7" name="图片 6">
+            <a:extLst>
+              <a:ext uri="{FF2B5EF4-FFF2-40B4-BE49-F238E27FC236}">
+                <a16:creationId xmlns:a16="http://schemas.microsoft.com/office/drawing/2014/main" id="{C8FB578D-FD2B-4137-8F96-815B4A900C8C}"/>
+              </a:ext>
+            </a:extLst>
+          </p:cNvPr>
+          <p:cNvPicPr>
+            <a:picLocks noChangeAspect="1"/>
+          </p:cNvPicPr>
+          <p:nvPr/>
+        </p:nvPicPr>
+        <p:blipFill>
+          <a:blip r:embed="rId5"/>
+          <a:stretch>
+            <a:fillRect/>
+          </a:stretch>
+        </p:blipFill>
+        <p:spPr>
+          <a:xfrm>
+            <a:off x="0" y="3280213"/>
+            <a:ext cx="7505700" cy="3038475"/>
+          </a:xfrm>
+          <a:prstGeom prst="rect">
+            <a:avLst/>
+          </a:prstGeom>
+        </p:spPr>
+      </p:pic>
+    </p:spTree>
+    <p:extLst>
+      <p:ext uri="{BB962C8B-B14F-4D97-AF65-F5344CB8AC3E}">
+        <p14:creationId xmlns:p14="http://schemas.microsoft.com/office/powerpoint/2010/main" val="2833728491"/>
       </p:ext>
     </p:extLst>
   </p:cSld>

--- a/20181214-20181221-张雁君.pptx
+++ b/20181214-20181221-张雁君.pptx
@@ -6673,6 +6673,14 @@
             <a:r>
               <a:rPr lang="zh-CN" altLang="en-US" sz="2400" dirty="0"/>
               <a:t>删除链表结点</a:t>
+            </a:r>
+            <a:r>
+              <a:rPr lang="en-US" altLang="zh-CN" sz="2400" dirty="0"/>
+              <a:t>(</a:t>
+            </a:r>
+            <a:r>
+              <a:rPr lang="zh-CN" altLang="en-US" sz="2400" dirty="0"/>
+              <a:t>浙大慕课）</a:t>
             </a:r>
           </a:p>
         </p:txBody>
